--- a/public/The Miller Lab - Icons and Images.pptx
+++ b/public/The Miller Lab - Icons and Images.pptx
@@ -3336,7 +3336,7 @@
         <p:spPr>
           <a:xfrm>
             <a:off x="2349500" y="1739900"/>
-            <a:ext cx="2257349" cy="523220"/>
+            <a:ext cx="2463800" cy="523220"/>
           </a:xfrm>
           <a:prstGeom prst="rect">
             <a:avLst/>
@@ -3353,11 +3353,12 @@
           </a:ln>
         </p:spPr>
         <p:txBody>
-          <a:bodyPr wrap="none" rtlCol="0">
+          <a:bodyPr wrap="square" rtlCol="0">
             <a:spAutoFit/>
           </a:bodyPr>
           <a:lstStyle/>
           <a:p>
+            <a:pPr algn="ctr"/>
             <a:r>
               <a:rPr lang="en-US" sz="2800" dirty="0">
                 <a:solidFill>
@@ -3365,6 +3366,116 @@
                 </a:solidFill>
               </a:rPr>
               <a:t>The Miller Lab</a:t>
+            </a:r>
+          </a:p>
+        </p:txBody>
+      </p:sp>
+      <p:sp>
+        <p:nvSpPr>
+          <p:cNvPr id="5" name="Hexagon 4">
+            <a:extLst>
+              <a:ext uri="{FF2B5EF4-FFF2-40B4-BE49-F238E27FC236}">
+                <a16:creationId xmlns:a16="http://schemas.microsoft.com/office/drawing/2014/main" id="{A07F6561-4A96-944A-A8CB-90E30E61E6AF}"/>
+              </a:ext>
+            </a:extLst>
+          </p:cNvPr>
+          <p:cNvSpPr/>
+          <p:nvPr/>
+        </p:nvSpPr>
+        <p:spPr>
+          <a:xfrm rot="16200000">
+            <a:off x="6511744" y="2816407"/>
+            <a:ext cx="1289050" cy="1066435"/>
+          </a:xfrm>
+          <a:prstGeom prst="hexagon">
+            <a:avLst/>
+          </a:prstGeom>
+          <a:effectLst/>
+          <a:scene3d>
+            <a:camera prst="orthographicFront"/>
+            <a:lightRig rig="threePt" dir="t"/>
+          </a:scene3d>
+          <a:sp3d>
+            <a:bevelT/>
+          </a:sp3d>
+        </p:spPr>
+        <p:style>
+          <a:lnRef idx="2">
+            <a:schemeClr val="accent1">
+              <a:shade val="50000"/>
+            </a:schemeClr>
+          </a:lnRef>
+          <a:fillRef idx="1">
+            <a:schemeClr val="accent1"/>
+          </a:fillRef>
+          <a:effectRef idx="0">
+            <a:schemeClr val="accent1"/>
+          </a:effectRef>
+          <a:fontRef idx="minor">
+            <a:schemeClr val="lt1"/>
+          </a:fontRef>
+        </p:style>
+        <p:txBody>
+          <a:bodyPr rtlCol="0" anchor="ctr"/>
+          <a:lstStyle/>
+          <a:p>
+            <a:pPr algn="ctr"/>
+            <a:endParaRPr lang="en-US"/>
+          </a:p>
+        </p:txBody>
+      </p:sp>
+      <p:sp>
+        <p:nvSpPr>
+          <p:cNvPr id="6" name="TextBox 5">
+            <a:extLst>
+              <a:ext uri="{FF2B5EF4-FFF2-40B4-BE49-F238E27FC236}">
+                <a16:creationId xmlns:a16="http://schemas.microsoft.com/office/drawing/2014/main" id="{15E6809A-D58B-074E-81B5-4E1C83314797}"/>
+              </a:ext>
+            </a:extLst>
+          </p:cNvPr>
+          <p:cNvSpPr txBox="1"/>
+          <p:nvPr/>
+        </p:nvSpPr>
+        <p:spPr>
+          <a:xfrm>
+            <a:off x="6635934" y="2964904"/>
+            <a:ext cx="1040670" cy="769441"/>
+          </a:xfrm>
+          <a:prstGeom prst="rect">
+            <a:avLst/>
+          </a:prstGeom>
+          <a:noFill/>
+        </p:spPr>
+        <p:txBody>
+          <a:bodyPr wrap="none" rtlCol="0">
+            <a:spAutoFit/>
+          </a:bodyPr>
+          <a:lstStyle/>
+          <a:p>
+            <a:pPr algn="ctr"/>
+            <a:r>
+              <a:rPr lang="en-US" sz="3200" dirty="0">
+                <a:solidFill>
+                  <a:schemeClr val="bg1"/>
+                </a:solidFill>
+              </a:rPr>
+              <a:t>T</a:t>
+            </a:r>
+            <a:r>
+              <a:rPr lang="en-US" sz="4400" dirty="0">
+                <a:solidFill>
+                  <a:schemeClr val="bg1"/>
+                </a:solidFill>
+              </a:rPr>
+              <a:t>M</a:t>
+            </a:r>
+            <a:r>
+              <a:rPr lang="en-US" sz="3200" dirty="0">
+                <a:solidFill>
+                  <a:schemeClr val="bg1"/>
+                </a:solidFill>
+              </a:rPr>
+              <a:t>L</a:t>
             </a:r>
           </a:p>
         </p:txBody>

--- a/public/The Miller Lab - Icons and Images.pptx
+++ b/public/The Miller Lab - Icons and Images.pptx
@@ -104,6 +104,11 @@
       </a:defRPr>
     </a:lvl9pPr>
   </p:defaultTextStyle>
+  <p:extLst>
+    <p:ext uri="{EFAFB233-063F-42B5-8137-9DF3F51BA10A}">
+      <p15:sldGuideLst xmlns:p15="http://schemas.microsoft.com/office/powerpoint/2012/main"/>
+    </p:ext>
+  </p:extLst>
 </p:presentation>
 </file>
 
@@ -3384,8 +3389,8 @@
         </p:nvSpPr>
         <p:spPr>
           <a:xfrm rot="16200000">
-            <a:off x="6511744" y="2816407"/>
-            <a:ext cx="1289050" cy="1066435"/>
+            <a:off x="6706043" y="2881914"/>
+            <a:ext cx="900456" cy="1066435"/>
           </a:xfrm>
           <a:prstGeom prst="hexagon">
             <a:avLst/>
@@ -3438,7 +3443,7 @@
         </p:nvSpPr>
         <p:spPr>
           <a:xfrm>
-            <a:off x="6635934" y="2964904"/>
+            <a:off x="6635934" y="3003541"/>
             <a:ext cx="1040670" cy="769441"/>
           </a:xfrm>
           <a:prstGeom prst="rect">
